--- a/Presentation3.pptx
+++ b/Presentation3.pptx
@@ -23,7 +23,8 @@
     <p:sldId id="276" r:id="rId17"/>
     <p:sldId id="271" r:id="rId18"/>
     <p:sldId id="270" r:id="rId19"/>
-    <p:sldId id="277" r:id="rId20"/>
+    <p:sldId id="278" r:id="rId20"/>
+    <p:sldId id="277" r:id="rId21"/>
   </p:sldIdLst>
   <p:sldSz cx="12192000" cy="6858000"/>
   <p:notesSz cx="6858000" cy="9144000"/>
@@ -3579,10 +3580,80 @@
       </p:pic>
       <p:sp>
         <p:nvSpPr>
-          <p:cNvPr id="7" name="Rectangle 1">
-            <a:extLst>
-              <a:ext uri="{FF2B5EF4-FFF2-40B4-BE49-F238E27FC236}">
-                <a16:creationId xmlns:a16="http://schemas.microsoft.com/office/drawing/2014/main" id="{2475BF84-38F0-6FD8-A0BE-7762A8CB29B1}"/>
+          <p:cNvPr id="2" name="TextBox 1">
+            <a:extLst>
+              <a:ext uri="{FF2B5EF4-FFF2-40B4-BE49-F238E27FC236}">
+                <a16:creationId xmlns:a16="http://schemas.microsoft.com/office/drawing/2014/main" id="{01A353B7-3ACB-B309-F793-C06ECA4DFA84}"/>
+              </a:ext>
+            </a:extLst>
+          </p:cNvPr>
+          <p:cNvSpPr txBox="1"/>
+          <p:nvPr/>
+        </p:nvSpPr>
+        <p:spPr>
+          <a:xfrm>
+            <a:off x="509726" y="1288243"/>
+            <a:ext cx="10050529" cy="369332"/>
+          </a:xfrm>
+          <a:prstGeom prst="rect">
+            <a:avLst/>
+          </a:prstGeom>
+          <a:noFill/>
+        </p:spPr>
+        <p:txBody>
+          <a:bodyPr wrap="square" rtlCol="0">
+            <a:spAutoFit/>
+          </a:bodyPr>
+          <a:lstStyle/>
+          <a:p>
+            <a:r>
+              <a:rPr lang="en-US" dirty="0"/>
+              <a:t>We found the 3 top performing stocks for each sector and graphed their percentage growth</a:t>
+            </a:r>
+          </a:p>
+        </p:txBody>
+      </p:sp>
+      <p:sp>
+        <p:nvSpPr>
+          <p:cNvPr id="5" name="TextBox 4">
+            <a:extLst>
+              <a:ext uri="{FF2B5EF4-FFF2-40B4-BE49-F238E27FC236}">
+                <a16:creationId xmlns:a16="http://schemas.microsoft.com/office/drawing/2014/main" id="{269AD774-9741-08FC-A48C-A7BBDD393D8D}"/>
+              </a:ext>
+            </a:extLst>
+          </p:cNvPr>
+          <p:cNvSpPr txBox="1"/>
+          <p:nvPr/>
+        </p:nvSpPr>
+        <p:spPr>
+          <a:xfrm>
+            <a:off x="509726" y="1700027"/>
+            <a:ext cx="11030442" cy="646331"/>
+          </a:xfrm>
+          <a:prstGeom prst="rect">
+            <a:avLst/>
+          </a:prstGeom>
+          <a:noFill/>
+        </p:spPr>
+        <p:txBody>
+          <a:bodyPr wrap="square" rtlCol="0">
+            <a:spAutoFit/>
+          </a:bodyPr>
+          <a:lstStyle/>
+          <a:p>
+            <a:r>
+              <a:rPr lang="en-US" dirty="0"/>
+              <a:t>The weight of some of these top movers was small relative to the rest of the fund. ENPH has a weight of 0.088% in the S&amp;P 500</a:t>
+            </a:r>
+          </a:p>
+        </p:txBody>
+      </p:sp>
+      <p:sp>
+        <p:nvSpPr>
+          <p:cNvPr id="3" name="Rectangle 2">
+            <a:extLst>
+              <a:ext uri="{FF2B5EF4-FFF2-40B4-BE49-F238E27FC236}">
+                <a16:creationId xmlns:a16="http://schemas.microsoft.com/office/drawing/2014/main" id="{7D6322C1-482D-0460-D3FA-120F60F06DC5}"/>
               </a:ext>
             </a:extLst>
           </p:cNvPr>
@@ -3593,7 +3664,7 @@
         </p:nvSpPr>
         <p:spPr bwMode="auto">
           <a:xfrm>
-            <a:off x="347472" y="2658380"/>
+            <a:off x="181880" y="2928693"/>
             <a:ext cx="12886481" cy="184666"/>
           </a:xfrm>
           <a:prstGeom prst="rect">
@@ -3665,33 +3736,42 @@
                 <a:latin typeface="Arial Unicode MS"/>
                 <a:ea typeface="Courier New" panose="02070309020205020404" pitchFamily="49" charset="0"/>
               </a:rPr>
-              <a:t>', </a:t>
-            </a:r>
-            <a:r>
-              <a:rPr kumimoji="0" lang="en-US" altLang="en-US" sz="1200" b="0" i="0" u="none" strike="noStrike" cap="none" normalizeH="0" baseline="0" dirty="0">
-                <a:ln>
-                  <a:noFill/>
-                </a:ln>
+              <a:t>'</a:t>
+            </a:r>
+            <a:r>
+              <a:rPr lang="en-US" sz="1200" b="0" i="0" dirty="0">
+                <a:solidFill>
+                  <a:srgbClr val="000000"/>
+                </a:solidFill>
+                <a:effectLst/>
+                <a:latin typeface="Helvetica Neue"/>
+              </a:rPr>
+              <a:t> </a:t>
+            </a:r>
+            <a:r>
+              <a:rPr lang="en-US" sz="1200" dirty="0">
                 <a:solidFill>
                   <a:srgbClr val="FF0000"/>
                 </a:solidFill>
-                <a:effectLst/>
                 <a:latin typeface="Arial Unicode MS"/>
-                <a:ea typeface="Courier New" panose="02070309020205020404" pitchFamily="49" charset="0"/>
-              </a:rPr>
-              <a:t>'Consumer Discretionary', </a:t>
-            </a:r>
-            <a:r>
-              <a:rPr kumimoji="0" lang="en-US" altLang="en-US" sz="1200" b="0" i="0" u="none" strike="noStrike" cap="none" normalizeH="0" baseline="0" dirty="0">
-                <a:ln>
-                  <a:noFill/>
-                </a:ln>
+              </a:rPr>
+              <a:t>Communication Services </a:t>
+            </a:r>
+            <a:r>
+              <a:rPr lang="en-US" altLang="en-US" sz="1200" dirty="0">
                 <a:solidFill>
                   <a:schemeClr val="accent6"/>
                 </a:solidFill>
-                <a:effectLst/>
                 <a:latin typeface="Arial Unicode MS"/>
-                <a:ea typeface="Courier New" panose="02070309020205020404" pitchFamily="49" charset="0"/>
+              </a:rPr>
+              <a:t>'Consumer Discretionary', </a:t>
+            </a:r>
+            <a:r>
+              <a:rPr lang="en-US" altLang="en-US" sz="1200" dirty="0">
+                <a:solidFill>
+                  <a:srgbClr val="3366FF"/>
+                </a:solidFill>
+                <a:latin typeface="Arial Unicode MS"/>
               </a:rPr>
               <a:t>'Consumer Staples</a:t>
             </a:r>
@@ -3708,20 +3788,6 @@
                 <a:ea typeface="Courier New" panose="02070309020205020404" pitchFamily="49" charset="0"/>
               </a:rPr>
               <a:t>', </a:t>
-            </a:r>
-            <a:r>
-              <a:rPr kumimoji="0" lang="en-US" altLang="en-US" sz="1200" b="0" i="0" u="none" strike="noStrike" cap="none" normalizeH="0" baseline="0" dirty="0">
-                <a:ln>
-                  <a:noFill/>
-                </a:ln>
-                <a:solidFill>
-                  <a:srgbClr val="3366FF"/>
-                </a:solidFill>
-                <a:effectLst/>
-                <a:latin typeface="Arial Unicode MS"/>
-                <a:ea typeface="Courier New" panose="02070309020205020404" pitchFamily="49" charset="0"/>
-              </a:rPr>
-              <a:t>'Consumer Staples', </a:t>
             </a:r>
             <a:r>
               <a:rPr kumimoji="0" lang="en-US" altLang="en-US" sz="1200" b="0" i="0" u="none" strike="noStrike" cap="none" normalizeH="0" baseline="0" dirty="0">
@@ -3972,76 +4038,6 @@
               <a:effectLst/>
               <a:latin typeface="Arial" panose="020B0604020202020204" pitchFamily="34" charset="0"/>
             </a:endParaRPr>
-          </a:p>
-        </p:txBody>
-      </p:sp>
-      <p:sp>
-        <p:nvSpPr>
-          <p:cNvPr id="2" name="TextBox 1">
-            <a:extLst>
-              <a:ext uri="{FF2B5EF4-FFF2-40B4-BE49-F238E27FC236}">
-                <a16:creationId xmlns:a16="http://schemas.microsoft.com/office/drawing/2014/main" id="{01A353B7-3ACB-B309-F793-C06ECA4DFA84}"/>
-              </a:ext>
-            </a:extLst>
-          </p:cNvPr>
-          <p:cNvSpPr txBox="1"/>
-          <p:nvPr/>
-        </p:nvSpPr>
-        <p:spPr>
-          <a:xfrm>
-            <a:off x="509726" y="1288243"/>
-            <a:ext cx="10050529" cy="369332"/>
-          </a:xfrm>
-          <a:prstGeom prst="rect">
-            <a:avLst/>
-          </a:prstGeom>
-          <a:noFill/>
-        </p:spPr>
-        <p:txBody>
-          <a:bodyPr wrap="square" rtlCol="0">
-            <a:spAutoFit/>
-          </a:bodyPr>
-          <a:lstStyle/>
-          <a:p>
-            <a:r>
-              <a:rPr lang="en-US" dirty="0"/>
-              <a:t>We found the 3 top performing stocks for each sector and graphed their percentage growth</a:t>
-            </a:r>
-          </a:p>
-        </p:txBody>
-      </p:sp>
-      <p:sp>
-        <p:nvSpPr>
-          <p:cNvPr id="5" name="TextBox 4">
-            <a:extLst>
-              <a:ext uri="{FF2B5EF4-FFF2-40B4-BE49-F238E27FC236}">
-                <a16:creationId xmlns:a16="http://schemas.microsoft.com/office/drawing/2014/main" id="{269AD774-9741-08FC-A48C-A7BBDD393D8D}"/>
-              </a:ext>
-            </a:extLst>
-          </p:cNvPr>
-          <p:cNvSpPr txBox="1"/>
-          <p:nvPr/>
-        </p:nvSpPr>
-        <p:spPr>
-          <a:xfrm>
-            <a:off x="509726" y="1700027"/>
-            <a:ext cx="11030442" cy="646331"/>
-          </a:xfrm>
-          <a:prstGeom prst="rect">
-            <a:avLst/>
-          </a:prstGeom>
-          <a:noFill/>
-        </p:spPr>
-        <p:txBody>
-          <a:bodyPr wrap="square" rtlCol="0">
-            <a:spAutoFit/>
-          </a:bodyPr>
-          <a:lstStyle/>
-          <a:p>
-            <a:r>
-              <a:rPr lang="en-US" dirty="0"/>
-              <a:t>The weight of some of these top movers was small relative to the rest of the fund. ENPH has a weight of 0.088% in the S&amp;P 500</a:t>
-            </a:r>
           </a:p>
         </p:txBody>
       </p:sp>
@@ -4416,7 +4412,7 @@
         </p:blipFill>
         <p:spPr bwMode="auto">
           <a:xfrm>
-            <a:off x="5498559" y="989634"/>
+            <a:off x="6128874" y="989634"/>
             <a:ext cx="5172075" cy="5819775"/>
           </a:xfrm>
           <a:prstGeom prst="rect">
@@ -4481,7 +4477,7 @@
         </p:nvSpPr>
         <p:spPr>
           <a:xfrm>
-            <a:off x="5863699" y="1399739"/>
+            <a:off x="6494014" y="1399739"/>
             <a:ext cx="1229557" cy="3394202"/>
           </a:xfrm>
           <a:prstGeom prst="roundRect">
@@ -4534,7 +4530,7 @@
         </p:nvSpPr>
         <p:spPr>
           <a:xfrm>
-            <a:off x="9313844" y="3855126"/>
+            <a:off x="9944159" y="3855126"/>
             <a:ext cx="1241710" cy="974324"/>
           </a:xfrm>
           <a:prstGeom prst="roundRect">
@@ -4774,8 +4770,8 @@
         </p:nvSpPr>
         <p:spPr>
           <a:xfrm>
-            <a:off x="595851" y="999629"/>
-            <a:ext cx="6094520" cy="400110"/>
+            <a:off x="399494" y="801355"/>
+            <a:ext cx="6094520" cy="984885"/>
           </a:xfrm>
           <a:prstGeom prst="rect">
             <a:avLst/>
@@ -4791,14 +4787,34 @@
             <a:r>
               <a:rPr lang="en-US" sz="2000" b="0" i="0" dirty="0">
                 <a:solidFill>
-                  <a:srgbClr val="374151"/>
+                  <a:schemeClr val="accent1"/>
                 </a:solidFill>
                 <a:effectLst/>
                 <a:latin typeface="Söhne"/>
               </a:rPr>
               <a:t>a one-way ANOVA (analysis of variance) test</a:t>
             </a:r>
-            <a:endParaRPr lang="en-US" sz="2000" dirty="0"/>
+          </a:p>
+          <a:p>
+            <a:r>
+              <a:rPr lang="en-US" sz="1800" kern="100" dirty="0">
+                <a:solidFill>
+                  <a:schemeClr val="accent1"/>
+                </a:solidFill>
+                <a:effectLst/>
+                <a:latin typeface="Calibri" panose="020F0502020204030204" pitchFamily="34" charset="0"/>
+                <a:ea typeface="Calibri" panose="020F0502020204030204" pitchFamily="34" charset="0"/>
+                <a:cs typeface="Times New Roman" panose="02020603050405020304" pitchFamily="18" charset="0"/>
+              </a:rPr>
+              <a:t>Null Hypothesis: Sectors have no effect in the return</a:t>
+            </a:r>
+          </a:p>
+          <a:p>
+            <a:endParaRPr lang="en-US" sz="2000" dirty="0">
+              <a:solidFill>
+                <a:schemeClr val="accent1"/>
+              </a:solidFill>
+            </a:endParaRPr>
           </a:p>
         </p:txBody>
       </p:sp>
@@ -4816,7 +4832,7 @@
         </p:nvSpPr>
         <p:spPr>
           <a:xfrm>
-            <a:off x="7240628" y="2983252"/>
+            <a:off x="7870943" y="2983252"/>
             <a:ext cx="199282" cy="445748"/>
           </a:xfrm>
           <a:prstGeom prst="downArrow">
@@ -4862,7 +4878,7 @@
         </p:nvSpPr>
         <p:spPr>
           <a:xfrm>
-            <a:off x="8519670" y="2444262"/>
+            <a:off x="9149985" y="2444262"/>
             <a:ext cx="202803" cy="445748"/>
           </a:xfrm>
           <a:prstGeom prst="downArrow">
@@ -5310,7 +5326,7 @@
         </p:nvSpPr>
         <p:spPr>
           <a:xfrm>
-            <a:off x="6160205" y="0"/>
+            <a:off x="6084163" y="186433"/>
             <a:ext cx="5303825" cy="2308324"/>
           </a:xfrm>
           <a:prstGeom prst="rect">
@@ -5324,11 +5340,20 @@
           </a:bodyPr>
           <a:lstStyle/>
           <a:p>
-            <a:pPr lvl="1"/>
-            <a:endParaRPr lang="en-US" dirty="0"/>
-          </a:p>
-          <a:p>
-            <a:pPr lvl="1"/>
+            <a:r>
+              <a:rPr lang="en-US" kern="100" dirty="0">
+                <a:solidFill>
+                  <a:srgbClr val="000000"/>
+                </a:solidFill>
+                <a:effectLst/>
+                <a:latin typeface="Helvetica" panose="020B0604020202020204" pitchFamily="34" charset="0"/>
+                <a:ea typeface="Calibri" panose="020F0502020204030204" pitchFamily="34" charset="0"/>
+                <a:cs typeface="Times New Roman" panose="02020603050405020304" pitchFamily="18" charset="0"/>
+              </a:rPr>
+              <a:t>linear regression</a:t>
+            </a:r>
+          </a:p>
+          <a:p>
             <a:endParaRPr lang="en-US" dirty="0"/>
           </a:p>
           <a:p>
@@ -5417,7 +5442,7 @@
         </p:blipFill>
         <p:spPr>
           <a:xfrm>
-            <a:off x="5948481" y="2107940"/>
+            <a:off x="5948481" y="2161208"/>
             <a:ext cx="5362575" cy="4143375"/>
           </a:xfrm>
           <a:prstGeom prst="rect">
@@ -5881,376 +5906,85 @@
           <a:chExt cx="0" cy="0"/>
         </a:xfrm>
       </p:grpSpPr>
-      <p:pic>
-        <p:nvPicPr>
-          <p:cNvPr id="4" name="Picture 3">
-            <a:extLst>
-              <a:ext uri="{FF2B5EF4-FFF2-40B4-BE49-F238E27FC236}">
-                <a16:creationId xmlns:a16="http://schemas.microsoft.com/office/drawing/2014/main" id="{D0C43DCE-A766-F8F5-0F7F-F33523C776AF}"/>
-              </a:ext>
-            </a:extLst>
-          </p:cNvPr>
-          <p:cNvPicPr>
-            <a:picLocks noChangeAspect="1"/>
-          </p:cNvPicPr>
-          <p:nvPr/>
-        </p:nvPicPr>
-        <p:blipFill>
-          <a:blip r:embed="rId2"/>
-          <a:stretch>
-            <a:fillRect/>
-          </a:stretch>
-        </p:blipFill>
+      <p:sp>
+        <p:nvSpPr>
+          <p:cNvPr id="3" name="Content Placeholder 2">
+            <a:extLst>
+              <a:ext uri="{FF2B5EF4-FFF2-40B4-BE49-F238E27FC236}">
+                <a16:creationId xmlns:a16="http://schemas.microsoft.com/office/drawing/2014/main" id="{A819354B-112C-DDCB-1FE5-8206D3E16013}"/>
+              </a:ext>
+            </a:extLst>
+          </p:cNvPr>
+          <p:cNvSpPr>
+            <a:spLocks noGrp="1"/>
+          </p:cNvSpPr>
+          <p:nvPr>
+            <p:ph idx="1"/>
+          </p:nvPr>
+        </p:nvSpPr>
         <p:spPr>
           <a:xfrm>
-            <a:off x="6096000" y="163940"/>
-            <a:ext cx="6208794" cy="3340223"/>
-          </a:xfrm>
-          <a:prstGeom prst="rect">
-            <a:avLst/>
-          </a:prstGeom>
-        </p:spPr>
-      </p:pic>
-      <p:pic>
-        <p:nvPicPr>
-          <p:cNvPr id="5" name="Picture 4">
-            <a:extLst>
-              <a:ext uri="{FF2B5EF4-FFF2-40B4-BE49-F238E27FC236}">
-                <a16:creationId xmlns:a16="http://schemas.microsoft.com/office/drawing/2014/main" id="{3583271A-49E6-F0F4-BABB-C7382982E766}"/>
-              </a:ext>
-            </a:extLst>
-          </p:cNvPr>
-          <p:cNvPicPr>
-            <a:picLocks noChangeAspect="1"/>
-          </p:cNvPicPr>
-          <p:nvPr/>
-        </p:nvPicPr>
-        <p:blipFill>
-          <a:blip r:embed="rId3"/>
-          <a:stretch>
-            <a:fillRect/>
-          </a:stretch>
-        </p:blipFill>
-        <p:spPr>
-          <a:xfrm>
-            <a:off x="380768" y="3552788"/>
-            <a:ext cx="5869112" cy="3157480"/>
-          </a:xfrm>
-          <a:prstGeom prst="rect">
-            <a:avLst/>
-          </a:prstGeom>
-        </p:spPr>
-      </p:pic>
-      <p:pic>
-        <p:nvPicPr>
-          <p:cNvPr id="6" name="Picture 5">
-            <a:extLst>
-              <a:ext uri="{FF2B5EF4-FFF2-40B4-BE49-F238E27FC236}">
-                <a16:creationId xmlns:a16="http://schemas.microsoft.com/office/drawing/2014/main" id="{1E0DDF96-3E96-171B-9F1C-518FEBDA6DD4}"/>
-              </a:ext>
-            </a:extLst>
-          </p:cNvPr>
-          <p:cNvPicPr>
-            <a:picLocks noChangeAspect="1"/>
-          </p:cNvPicPr>
-          <p:nvPr/>
-        </p:nvPicPr>
-        <p:blipFill>
-          <a:blip r:embed="rId4"/>
-          <a:stretch>
-            <a:fillRect/>
-          </a:stretch>
-        </p:blipFill>
-        <p:spPr>
-          <a:xfrm>
-            <a:off x="6339822" y="3568997"/>
-            <a:ext cx="5808855" cy="3125063"/>
-          </a:xfrm>
-          <a:prstGeom prst="rect">
-            <a:avLst/>
-          </a:prstGeom>
-        </p:spPr>
-      </p:pic>
-      <p:sp>
-        <p:nvSpPr>
-          <p:cNvPr id="7" name="TextBox 6">
-            <a:extLst>
-              <a:ext uri="{FF2B5EF4-FFF2-40B4-BE49-F238E27FC236}">
-                <a16:creationId xmlns:a16="http://schemas.microsoft.com/office/drawing/2014/main" id="{23E73832-9F41-CD63-8280-8AF03F89BD8F}"/>
-              </a:ext>
-            </a:extLst>
-          </p:cNvPr>
-          <p:cNvSpPr txBox="1"/>
-          <p:nvPr/>
-        </p:nvSpPr>
-        <p:spPr>
-          <a:xfrm>
-            <a:off x="168685" y="593040"/>
-            <a:ext cx="5344348" cy="1169551"/>
-          </a:xfrm>
-          <a:prstGeom prst="rect">
-            <a:avLst/>
-          </a:prstGeom>
-          <a:noFill/>
-        </p:spPr>
-        <p:txBody>
-          <a:bodyPr wrap="square" rtlCol="0">
-            <a:spAutoFit/>
+            <a:off x="838200" y="1819921"/>
+            <a:ext cx="10515600" cy="4357041"/>
+          </a:xfrm>
+        </p:spPr>
+        <p:txBody>
+          <a:bodyPr>
+            <a:normAutofit/>
           </a:bodyPr>
           <a:lstStyle/>
           <a:p>
-            <a:r>
-              <a:rPr lang="en-US" altLang="zh-CN" sz="2800" dirty="0"/>
-              <a:t>Three kind of yearly return</a:t>
-            </a:r>
-            <a:endParaRPr lang="en-US" sz="2800" dirty="0"/>
-          </a:p>
-          <a:p>
-            <a:pPr marL="914400" lvl="1" indent="-457200">
-              <a:buFont typeface="Arial" panose="020B0604020202020204" pitchFamily="34" charset="0"/>
-              <a:buChar char="•"/>
+            <a:pPr marL="0" indent="0" algn="ctr">
+              <a:buNone/>
             </a:pPr>
             <a:r>
-              <a:rPr lang="en-US" sz="1400" kern="100" dirty="0">
+              <a:rPr lang="en-US" sz="4800" dirty="0"/>
+              <a:t>Thank You !</a:t>
+            </a:r>
+          </a:p>
+          <a:p>
+            <a:pPr marL="0" indent="0" algn="ctr">
+              <a:buNone/>
+            </a:pPr>
+            <a:endParaRPr lang="en-US" sz="4800" dirty="0"/>
+          </a:p>
+          <a:p>
+            <a:pPr marL="0" indent="0" algn="ctr">
+              <a:buNone/>
+            </a:pPr>
+            <a:endParaRPr lang="en-US" sz="4800" dirty="0"/>
+          </a:p>
+          <a:p>
+            <a:pPr marL="0" indent="0" algn="ctr">
+              <a:buNone/>
+            </a:pPr>
+            <a:r>
+              <a:rPr lang="en-US" sz="3600" dirty="0">
+                <a:solidFill>
+                  <a:srgbClr val="4D5156"/>
+                </a:solidFill>
+                <a:latin typeface="Google Sans"/>
+              </a:rPr>
+              <a:t>T</a:t>
+            </a:r>
+            <a:r>
+              <a:rPr lang="en-US" sz="3600" b="0" i="0" dirty="0">
+                <a:solidFill>
+                  <a:srgbClr val="4D5156"/>
+                </a:solidFill>
                 <a:effectLst/>
-                <a:latin typeface="Calibri" panose="020F0502020204030204" pitchFamily="34" charset="0"/>
-                <a:ea typeface="DengXian" panose="02010600030101010101" pitchFamily="2" charset="-122"/>
-                <a:cs typeface="Times New Roman" panose="02020603050405020304" pitchFamily="18" charset="0"/>
-              </a:rPr>
-              <a:t> W</a:t>
-            </a:r>
-            <a:r>
-              <a:rPr lang="en-US" sz="1400" kern="100" dirty="0">
-                <a:latin typeface="Calibri" panose="020F0502020204030204" pitchFamily="34" charset="0"/>
-                <a:ea typeface="DengXian" panose="02010600030101010101" pitchFamily="2" charset="-122"/>
-                <a:cs typeface="Times New Roman" panose="02020603050405020304" pitchFamily="18" charset="0"/>
-              </a:rPr>
-              <a:t>eighted Yearly Return: not actually yearly return, just use to compare</a:t>
-            </a:r>
-          </a:p>
-          <a:p>
-            <a:pPr marL="914400" lvl="1" indent="-457200">
-              <a:buFont typeface="Arial" panose="020B0604020202020204" pitchFamily="34" charset="0"/>
-              <a:buChar char="•"/>
-            </a:pPr>
-            <a:endParaRPr lang="en-US" sz="1400" dirty="0"/>
-          </a:p>
-        </p:txBody>
-      </p:sp>
-      <p:sp>
-        <p:nvSpPr>
-          <p:cNvPr id="8" name="TextBox 7">
-            <a:extLst>
-              <a:ext uri="{FF2B5EF4-FFF2-40B4-BE49-F238E27FC236}">
-                <a16:creationId xmlns:a16="http://schemas.microsoft.com/office/drawing/2014/main" id="{1DAB768D-8EAA-0CAA-6B77-75D4DF3F0721}"/>
-              </a:ext>
-            </a:extLst>
-          </p:cNvPr>
-          <p:cNvSpPr txBox="1"/>
-          <p:nvPr/>
-        </p:nvSpPr>
-        <p:spPr>
-          <a:xfrm>
-            <a:off x="7111014" y="223708"/>
-            <a:ext cx="716863" cy="369332"/>
-          </a:xfrm>
-          <a:prstGeom prst="rect">
-            <a:avLst/>
-          </a:prstGeom>
-          <a:noFill/>
-        </p:spPr>
-        <p:txBody>
-          <a:bodyPr wrap="none" rtlCol="0">
-            <a:spAutoFit/>
-          </a:bodyPr>
-          <a:lstStyle/>
-          <a:p>
-            <a:r>
-              <a:rPr lang="en-US" dirty="0"/>
-              <a:t>mean</a:t>
-            </a:r>
-          </a:p>
-        </p:txBody>
-      </p:sp>
-      <p:sp>
-        <p:nvSpPr>
-          <p:cNvPr id="9" name="TextBox 8">
-            <a:extLst>
-              <a:ext uri="{FF2B5EF4-FFF2-40B4-BE49-F238E27FC236}">
-                <a16:creationId xmlns:a16="http://schemas.microsoft.com/office/drawing/2014/main" id="{40A33AC3-AFD6-65B1-B792-C67A9EA2AB93}"/>
-              </a:ext>
-            </a:extLst>
-          </p:cNvPr>
-          <p:cNvSpPr txBox="1"/>
-          <p:nvPr/>
-        </p:nvSpPr>
-        <p:spPr>
-          <a:xfrm>
-            <a:off x="1154097" y="3684233"/>
-            <a:ext cx="1692836" cy="369332"/>
-          </a:xfrm>
-          <a:prstGeom prst="rect">
-            <a:avLst/>
-          </a:prstGeom>
-          <a:noFill/>
-        </p:spPr>
-        <p:txBody>
-          <a:bodyPr wrap="none" rtlCol="0">
-            <a:spAutoFit/>
-          </a:bodyPr>
-          <a:lstStyle/>
-          <a:p>
-            <a:r>
-              <a:rPr lang="en-US" dirty="0"/>
-              <a:t>Weighted-mean</a:t>
-            </a:r>
-          </a:p>
-        </p:txBody>
-      </p:sp>
-      <p:sp>
-        <p:nvSpPr>
-          <p:cNvPr id="10" name="TextBox 9">
-            <a:extLst>
-              <a:ext uri="{FF2B5EF4-FFF2-40B4-BE49-F238E27FC236}">
-                <a16:creationId xmlns:a16="http://schemas.microsoft.com/office/drawing/2014/main" id="{953CDC39-68F0-FFA4-33B2-9C0798FD68EA}"/>
-              </a:ext>
-            </a:extLst>
-          </p:cNvPr>
-          <p:cNvSpPr txBox="1"/>
-          <p:nvPr/>
-        </p:nvSpPr>
-        <p:spPr>
-          <a:xfrm>
-            <a:off x="6974896" y="3684233"/>
-            <a:ext cx="2018245" cy="369332"/>
-          </a:xfrm>
-          <a:prstGeom prst="rect">
-            <a:avLst/>
-          </a:prstGeom>
-          <a:noFill/>
-        </p:spPr>
-        <p:txBody>
-          <a:bodyPr wrap="none" rtlCol="0">
-            <a:spAutoFit/>
-          </a:bodyPr>
-          <a:lstStyle/>
-          <a:p>
-            <a:r>
-              <a:rPr lang="en-US" dirty="0"/>
-              <a:t>weighted algorithm</a:t>
-            </a:r>
-          </a:p>
-        </p:txBody>
-      </p:sp>
-      <p:sp>
-        <p:nvSpPr>
-          <p:cNvPr id="12" name="TextBox 11">
-            <a:extLst>
-              <a:ext uri="{FF2B5EF4-FFF2-40B4-BE49-F238E27FC236}">
-                <a16:creationId xmlns:a16="http://schemas.microsoft.com/office/drawing/2014/main" id="{30D9E7D1-D8C9-0086-639D-38B52E31F28D}"/>
-              </a:ext>
-            </a:extLst>
-          </p:cNvPr>
-          <p:cNvSpPr txBox="1"/>
-          <p:nvPr/>
-        </p:nvSpPr>
-        <p:spPr>
-          <a:xfrm>
-            <a:off x="561146" y="3199665"/>
-            <a:ext cx="4571573" cy="369332"/>
-          </a:xfrm>
-          <a:prstGeom prst="rect">
-            <a:avLst/>
-          </a:prstGeom>
-          <a:noFill/>
-        </p:spPr>
-        <p:txBody>
-          <a:bodyPr wrap="none" rtlCol="0">
-            <a:spAutoFit/>
-          </a:bodyPr>
-          <a:lstStyle/>
-          <a:p>
-            <a:r>
-              <a:rPr lang="en-US" dirty="0"/>
-              <a:t>Ignore industry size and consider company size</a:t>
-            </a:r>
-          </a:p>
-        </p:txBody>
-      </p:sp>
-      <p:sp>
-        <p:nvSpPr>
-          <p:cNvPr id="13" name="TextBox 12">
-            <a:extLst>
-              <a:ext uri="{FF2B5EF4-FFF2-40B4-BE49-F238E27FC236}">
-                <a16:creationId xmlns:a16="http://schemas.microsoft.com/office/drawing/2014/main" id="{46C0EED4-B6E5-DF03-3412-4577675DDE5C}"/>
-              </a:ext>
-            </a:extLst>
-          </p:cNvPr>
-          <p:cNvSpPr txBox="1"/>
-          <p:nvPr/>
-        </p:nvSpPr>
-        <p:spPr>
-          <a:xfrm>
-            <a:off x="6491057" y="-67271"/>
-            <a:ext cx="3321935" cy="369332"/>
-          </a:xfrm>
-          <a:prstGeom prst="rect">
-            <a:avLst/>
-          </a:prstGeom>
-          <a:noFill/>
-        </p:spPr>
-        <p:txBody>
-          <a:bodyPr wrap="none" rtlCol="0">
-            <a:spAutoFit/>
-          </a:bodyPr>
-          <a:lstStyle/>
-          <a:p>
-            <a:r>
-              <a:rPr lang="en-US" dirty="0"/>
-              <a:t>Ignore industry and company size</a:t>
-            </a:r>
-          </a:p>
-        </p:txBody>
-      </p:sp>
-      <p:sp>
-        <p:nvSpPr>
-          <p:cNvPr id="14" name="TextBox 13">
-            <a:extLst>
-              <a:ext uri="{FF2B5EF4-FFF2-40B4-BE49-F238E27FC236}">
-                <a16:creationId xmlns:a16="http://schemas.microsoft.com/office/drawing/2014/main" id="{C727B35B-D45D-DF5A-B770-BFCF620FBAAE}"/>
-              </a:ext>
-            </a:extLst>
-          </p:cNvPr>
-          <p:cNvSpPr txBox="1"/>
-          <p:nvPr/>
-        </p:nvSpPr>
-        <p:spPr>
-          <a:xfrm>
-            <a:off x="6634972" y="3307675"/>
-            <a:ext cx="4066434" cy="369332"/>
-          </a:xfrm>
-          <a:prstGeom prst="rect">
-            <a:avLst/>
-          </a:prstGeom>
-          <a:noFill/>
-        </p:spPr>
-        <p:txBody>
-          <a:bodyPr wrap="none" rtlCol="0">
-            <a:spAutoFit/>
-          </a:bodyPr>
-          <a:lstStyle/>
-          <a:p>
-            <a:r>
-              <a:rPr lang="en-US" dirty="0"/>
-              <a:t>consider industry size and company size</a:t>
-            </a:r>
+                <a:latin typeface="Google Sans"/>
+              </a:rPr>
+              <a:t>his is not financial advice!</a:t>
+            </a:r>
+            <a:endParaRPr lang="en-US" sz="4800" dirty="0"/>
           </a:p>
         </p:txBody>
       </p:sp>
     </p:spTree>
     <p:extLst>
       <p:ext uri="{BB962C8B-B14F-4D97-AF65-F5344CB8AC3E}">
-        <p14:creationId xmlns:p14="http://schemas.microsoft.com/office/powerpoint/2010/main" val="2524846042"/>
+        <p14:creationId xmlns:p14="http://schemas.microsoft.com/office/powerpoint/2010/main" val="2421313956"/>
       </p:ext>
     </p:extLst>
   </p:cSld>
@@ -6404,6 +6138,379 @@
     <p:extLst>
       <p:ext uri="{BB962C8B-B14F-4D97-AF65-F5344CB8AC3E}">
         <p14:creationId xmlns:p14="http://schemas.microsoft.com/office/powerpoint/2010/main" val="3028319309"/>
+      </p:ext>
+    </p:extLst>
+  </p:cSld>
+  <p:clrMapOvr>
+    <a:masterClrMapping/>
+  </p:clrMapOvr>
+</p:sld>
+</file>
+
+<file path=ppt/slides/slide20.xml><?xml version="1.0" encoding="utf-8"?>
+<p:sld xmlns:a="http://schemas.openxmlformats.org/drawingml/2006/main" xmlns:r="http://schemas.openxmlformats.org/officeDocument/2006/relationships" xmlns:p="http://schemas.openxmlformats.org/presentationml/2006/main">
+  <p:cSld>
+    <p:spTree>
+      <p:nvGrpSpPr>
+        <p:cNvPr id="1" name=""/>
+        <p:cNvGrpSpPr/>
+        <p:nvPr/>
+      </p:nvGrpSpPr>
+      <p:grpSpPr>
+        <a:xfrm>
+          <a:off x="0" y="0"/>
+          <a:ext cx="0" cy="0"/>
+          <a:chOff x="0" y="0"/>
+          <a:chExt cx="0" cy="0"/>
+        </a:xfrm>
+      </p:grpSpPr>
+      <p:pic>
+        <p:nvPicPr>
+          <p:cNvPr id="4" name="Picture 3">
+            <a:extLst>
+              <a:ext uri="{FF2B5EF4-FFF2-40B4-BE49-F238E27FC236}">
+                <a16:creationId xmlns:a16="http://schemas.microsoft.com/office/drawing/2014/main" id="{D0C43DCE-A766-F8F5-0F7F-F33523C776AF}"/>
+              </a:ext>
+            </a:extLst>
+          </p:cNvPr>
+          <p:cNvPicPr>
+            <a:picLocks noChangeAspect="1"/>
+          </p:cNvPicPr>
+          <p:nvPr/>
+        </p:nvPicPr>
+        <p:blipFill>
+          <a:blip r:embed="rId2"/>
+          <a:stretch>
+            <a:fillRect/>
+          </a:stretch>
+        </p:blipFill>
+        <p:spPr>
+          <a:xfrm>
+            <a:off x="6096000" y="163940"/>
+            <a:ext cx="6208794" cy="3340223"/>
+          </a:xfrm>
+          <a:prstGeom prst="rect">
+            <a:avLst/>
+          </a:prstGeom>
+        </p:spPr>
+      </p:pic>
+      <p:pic>
+        <p:nvPicPr>
+          <p:cNvPr id="5" name="Picture 4">
+            <a:extLst>
+              <a:ext uri="{FF2B5EF4-FFF2-40B4-BE49-F238E27FC236}">
+                <a16:creationId xmlns:a16="http://schemas.microsoft.com/office/drawing/2014/main" id="{3583271A-49E6-F0F4-BABB-C7382982E766}"/>
+              </a:ext>
+            </a:extLst>
+          </p:cNvPr>
+          <p:cNvPicPr>
+            <a:picLocks noChangeAspect="1"/>
+          </p:cNvPicPr>
+          <p:nvPr/>
+        </p:nvPicPr>
+        <p:blipFill>
+          <a:blip r:embed="rId3"/>
+          <a:stretch>
+            <a:fillRect/>
+          </a:stretch>
+        </p:blipFill>
+        <p:spPr>
+          <a:xfrm>
+            <a:off x="380768" y="3703714"/>
+            <a:ext cx="5869112" cy="3157480"/>
+          </a:xfrm>
+          <a:prstGeom prst="rect">
+            <a:avLst/>
+          </a:prstGeom>
+        </p:spPr>
+      </p:pic>
+      <p:pic>
+        <p:nvPicPr>
+          <p:cNvPr id="6" name="Picture 5">
+            <a:extLst>
+              <a:ext uri="{FF2B5EF4-FFF2-40B4-BE49-F238E27FC236}">
+                <a16:creationId xmlns:a16="http://schemas.microsoft.com/office/drawing/2014/main" id="{1E0DDF96-3E96-171B-9F1C-518FEBDA6DD4}"/>
+              </a:ext>
+            </a:extLst>
+          </p:cNvPr>
+          <p:cNvPicPr>
+            <a:picLocks noChangeAspect="1"/>
+          </p:cNvPicPr>
+          <p:nvPr/>
+        </p:nvPicPr>
+        <p:blipFill>
+          <a:blip r:embed="rId4"/>
+          <a:stretch>
+            <a:fillRect/>
+          </a:stretch>
+        </p:blipFill>
+        <p:spPr>
+          <a:xfrm>
+            <a:off x="6339822" y="3613387"/>
+            <a:ext cx="5808855" cy="3125063"/>
+          </a:xfrm>
+          <a:prstGeom prst="rect">
+            <a:avLst/>
+          </a:prstGeom>
+        </p:spPr>
+      </p:pic>
+      <p:sp>
+        <p:nvSpPr>
+          <p:cNvPr id="7" name="TextBox 6">
+            <a:extLst>
+              <a:ext uri="{FF2B5EF4-FFF2-40B4-BE49-F238E27FC236}">
+                <a16:creationId xmlns:a16="http://schemas.microsoft.com/office/drawing/2014/main" id="{23E73832-9F41-CD63-8280-8AF03F89BD8F}"/>
+              </a:ext>
+            </a:extLst>
+          </p:cNvPr>
+          <p:cNvSpPr txBox="1"/>
+          <p:nvPr/>
+        </p:nvSpPr>
+        <p:spPr>
+          <a:xfrm>
+            <a:off x="751652" y="593040"/>
+            <a:ext cx="5344348" cy="1169551"/>
+          </a:xfrm>
+          <a:prstGeom prst="rect">
+            <a:avLst/>
+          </a:prstGeom>
+          <a:noFill/>
+        </p:spPr>
+        <p:txBody>
+          <a:bodyPr wrap="square" rtlCol="0">
+            <a:spAutoFit/>
+          </a:bodyPr>
+          <a:lstStyle/>
+          <a:p>
+            <a:r>
+              <a:rPr lang="en-US" altLang="zh-CN" sz="2800" dirty="0"/>
+              <a:t>Three kind of yearly return methods</a:t>
+            </a:r>
+            <a:endParaRPr lang="en-US" sz="2800" dirty="0"/>
+          </a:p>
+          <a:p>
+            <a:pPr marL="914400" lvl="1" indent="-457200">
+              <a:buFont typeface="Arial" panose="020B0604020202020204" pitchFamily="34" charset="0"/>
+              <a:buChar char="•"/>
+            </a:pPr>
+            <a:endParaRPr lang="en-US" sz="1400" dirty="0"/>
+          </a:p>
+        </p:txBody>
+      </p:sp>
+      <p:sp>
+        <p:nvSpPr>
+          <p:cNvPr id="8" name="TextBox 7">
+            <a:extLst>
+              <a:ext uri="{FF2B5EF4-FFF2-40B4-BE49-F238E27FC236}">
+                <a16:creationId xmlns:a16="http://schemas.microsoft.com/office/drawing/2014/main" id="{1DAB768D-8EAA-0CAA-6B77-75D4DF3F0721}"/>
+              </a:ext>
+            </a:extLst>
+          </p:cNvPr>
+          <p:cNvSpPr txBox="1"/>
+          <p:nvPr/>
+        </p:nvSpPr>
+        <p:spPr>
+          <a:xfrm>
+            <a:off x="7111014" y="223708"/>
+            <a:ext cx="716863" cy="369332"/>
+          </a:xfrm>
+          <a:prstGeom prst="rect">
+            <a:avLst/>
+          </a:prstGeom>
+          <a:noFill/>
+        </p:spPr>
+        <p:txBody>
+          <a:bodyPr wrap="none" rtlCol="0">
+            <a:spAutoFit/>
+          </a:bodyPr>
+          <a:lstStyle/>
+          <a:p>
+            <a:r>
+              <a:rPr lang="en-US" dirty="0"/>
+              <a:t>mean</a:t>
+            </a:r>
+          </a:p>
+        </p:txBody>
+      </p:sp>
+      <p:sp>
+        <p:nvSpPr>
+          <p:cNvPr id="9" name="TextBox 8">
+            <a:extLst>
+              <a:ext uri="{FF2B5EF4-FFF2-40B4-BE49-F238E27FC236}">
+                <a16:creationId xmlns:a16="http://schemas.microsoft.com/office/drawing/2014/main" id="{40A33AC3-AFD6-65B1-B792-C67A9EA2AB93}"/>
+              </a:ext>
+            </a:extLst>
+          </p:cNvPr>
+          <p:cNvSpPr txBox="1"/>
+          <p:nvPr/>
+        </p:nvSpPr>
+        <p:spPr>
+          <a:xfrm>
+            <a:off x="1154097" y="3684233"/>
+            <a:ext cx="1692836" cy="369332"/>
+          </a:xfrm>
+          <a:prstGeom prst="rect">
+            <a:avLst/>
+          </a:prstGeom>
+          <a:noFill/>
+        </p:spPr>
+        <p:txBody>
+          <a:bodyPr wrap="none" rtlCol="0">
+            <a:spAutoFit/>
+          </a:bodyPr>
+          <a:lstStyle/>
+          <a:p>
+            <a:r>
+              <a:rPr lang="en-US" dirty="0"/>
+              <a:t>Weighted-mean</a:t>
+            </a:r>
+          </a:p>
+        </p:txBody>
+      </p:sp>
+      <p:sp>
+        <p:nvSpPr>
+          <p:cNvPr id="10" name="TextBox 9">
+            <a:extLst>
+              <a:ext uri="{FF2B5EF4-FFF2-40B4-BE49-F238E27FC236}">
+                <a16:creationId xmlns:a16="http://schemas.microsoft.com/office/drawing/2014/main" id="{953CDC39-68F0-FFA4-33B2-9C0798FD68EA}"/>
+              </a:ext>
+            </a:extLst>
+          </p:cNvPr>
+          <p:cNvSpPr txBox="1"/>
+          <p:nvPr/>
+        </p:nvSpPr>
+        <p:spPr>
+          <a:xfrm>
+            <a:off x="6974896" y="3684233"/>
+            <a:ext cx="2018245" cy="369332"/>
+          </a:xfrm>
+          <a:prstGeom prst="rect">
+            <a:avLst/>
+          </a:prstGeom>
+          <a:noFill/>
+        </p:spPr>
+        <p:txBody>
+          <a:bodyPr wrap="none" rtlCol="0">
+            <a:spAutoFit/>
+          </a:bodyPr>
+          <a:lstStyle/>
+          <a:p>
+            <a:r>
+              <a:rPr lang="en-US" dirty="0"/>
+              <a:t>weighted algorithm</a:t>
+            </a:r>
+          </a:p>
+        </p:txBody>
+      </p:sp>
+      <p:sp>
+        <p:nvSpPr>
+          <p:cNvPr id="12" name="TextBox 11">
+            <a:extLst>
+              <a:ext uri="{FF2B5EF4-FFF2-40B4-BE49-F238E27FC236}">
+                <a16:creationId xmlns:a16="http://schemas.microsoft.com/office/drawing/2014/main" id="{30D9E7D1-D8C9-0086-639D-38B52E31F28D}"/>
+              </a:ext>
+            </a:extLst>
+          </p:cNvPr>
+          <p:cNvSpPr txBox="1"/>
+          <p:nvPr/>
+        </p:nvSpPr>
+        <p:spPr>
+          <a:xfrm>
+            <a:off x="570024" y="3323954"/>
+            <a:ext cx="4571573" cy="369332"/>
+          </a:xfrm>
+          <a:prstGeom prst="rect">
+            <a:avLst/>
+          </a:prstGeom>
+          <a:noFill/>
+        </p:spPr>
+        <p:txBody>
+          <a:bodyPr wrap="none" rtlCol="0">
+            <a:spAutoFit/>
+          </a:bodyPr>
+          <a:lstStyle/>
+          <a:p>
+            <a:r>
+              <a:rPr lang="en-US" dirty="0"/>
+              <a:t>Ignore industry size and consider company size</a:t>
+            </a:r>
+          </a:p>
+        </p:txBody>
+      </p:sp>
+      <p:sp>
+        <p:nvSpPr>
+          <p:cNvPr id="13" name="TextBox 12">
+            <a:extLst>
+              <a:ext uri="{FF2B5EF4-FFF2-40B4-BE49-F238E27FC236}">
+                <a16:creationId xmlns:a16="http://schemas.microsoft.com/office/drawing/2014/main" id="{46C0EED4-B6E5-DF03-3412-4577675DDE5C}"/>
+              </a:ext>
+            </a:extLst>
+          </p:cNvPr>
+          <p:cNvSpPr txBox="1"/>
+          <p:nvPr/>
+        </p:nvSpPr>
+        <p:spPr>
+          <a:xfrm>
+            <a:off x="6491057" y="-67271"/>
+            <a:ext cx="3321935" cy="369332"/>
+          </a:xfrm>
+          <a:prstGeom prst="rect">
+            <a:avLst/>
+          </a:prstGeom>
+          <a:noFill/>
+        </p:spPr>
+        <p:txBody>
+          <a:bodyPr wrap="none" rtlCol="0">
+            <a:spAutoFit/>
+          </a:bodyPr>
+          <a:lstStyle/>
+          <a:p>
+            <a:r>
+              <a:rPr lang="en-US" dirty="0"/>
+              <a:t>Ignore industry and company size</a:t>
+            </a:r>
+          </a:p>
+        </p:txBody>
+      </p:sp>
+      <p:sp>
+        <p:nvSpPr>
+          <p:cNvPr id="14" name="TextBox 13">
+            <a:extLst>
+              <a:ext uri="{FF2B5EF4-FFF2-40B4-BE49-F238E27FC236}">
+                <a16:creationId xmlns:a16="http://schemas.microsoft.com/office/drawing/2014/main" id="{C727B35B-D45D-DF5A-B770-BFCF620FBAAE}"/>
+              </a:ext>
+            </a:extLst>
+          </p:cNvPr>
+          <p:cNvSpPr txBox="1"/>
+          <p:nvPr/>
+        </p:nvSpPr>
+        <p:spPr>
+          <a:xfrm>
+            <a:off x="6634972" y="3307675"/>
+            <a:ext cx="4066434" cy="369332"/>
+          </a:xfrm>
+          <a:prstGeom prst="rect">
+            <a:avLst/>
+          </a:prstGeom>
+          <a:noFill/>
+        </p:spPr>
+        <p:txBody>
+          <a:bodyPr wrap="none" rtlCol="0">
+            <a:spAutoFit/>
+          </a:bodyPr>
+          <a:lstStyle/>
+          <a:p>
+            <a:r>
+              <a:rPr lang="en-US" dirty="0"/>
+              <a:t>consider industry size and company size</a:t>
+            </a:r>
+          </a:p>
+        </p:txBody>
+      </p:sp>
+    </p:spTree>
+    <p:extLst>
+      <p:ext uri="{BB962C8B-B14F-4D97-AF65-F5344CB8AC3E}">
+        <p14:creationId xmlns:p14="http://schemas.microsoft.com/office/powerpoint/2010/main" val="2524846042"/>
       </p:ext>
     </p:extLst>
   </p:cSld>
@@ -6595,8 +6702,8 @@
         </p:nvSpPr>
         <p:spPr>
           <a:xfrm>
-            <a:off x="838200" y="1386713"/>
-            <a:ext cx="10515600" cy="4351338"/>
+            <a:off x="838200" y="1386712"/>
+            <a:ext cx="10515600" cy="4587959"/>
           </a:xfrm>
         </p:spPr>
         <p:txBody>
@@ -7053,10 +7160,80 @@
       </p:pic>
       <p:sp>
         <p:nvSpPr>
-          <p:cNvPr id="7" name="Rectangle 1">
-            <a:extLst>
-              <a:ext uri="{FF2B5EF4-FFF2-40B4-BE49-F238E27FC236}">
-                <a16:creationId xmlns:a16="http://schemas.microsoft.com/office/drawing/2014/main" id="{9EFC2718-658E-4FEF-5052-473DBC637ED5}"/>
+          <p:cNvPr id="9" name="TextBox 8">
+            <a:extLst>
+              <a:ext uri="{FF2B5EF4-FFF2-40B4-BE49-F238E27FC236}">
+                <a16:creationId xmlns:a16="http://schemas.microsoft.com/office/drawing/2014/main" id="{13FE1276-4158-5798-8465-C277BB5EF0B5}"/>
+              </a:ext>
+            </a:extLst>
+          </p:cNvPr>
+          <p:cNvSpPr txBox="1"/>
+          <p:nvPr/>
+        </p:nvSpPr>
+        <p:spPr>
+          <a:xfrm>
+            <a:off x="192024" y="274242"/>
+            <a:ext cx="7260336" cy="523220"/>
+          </a:xfrm>
+          <a:prstGeom prst="rect">
+            <a:avLst/>
+          </a:prstGeom>
+          <a:noFill/>
+        </p:spPr>
+        <p:txBody>
+          <a:bodyPr wrap="square" rtlCol="0">
+            <a:spAutoFit/>
+          </a:bodyPr>
+          <a:lstStyle/>
+          <a:p>
+            <a:r>
+              <a:rPr lang="en-US" sz="2800" dirty="0"/>
+              <a:t>Top Weighted Companies in each sectors (2023)</a:t>
+            </a:r>
+          </a:p>
+        </p:txBody>
+      </p:sp>
+      <p:sp>
+        <p:nvSpPr>
+          <p:cNvPr id="6" name="TextBox 5">
+            <a:extLst>
+              <a:ext uri="{FF2B5EF4-FFF2-40B4-BE49-F238E27FC236}">
+                <a16:creationId xmlns:a16="http://schemas.microsoft.com/office/drawing/2014/main" id="{FC6980E8-C671-C87C-3BC3-5B9AD42E6FB7}"/>
+              </a:ext>
+            </a:extLst>
+          </p:cNvPr>
+          <p:cNvSpPr txBox="1"/>
+          <p:nvPr/>
+        </p:nvSpPr>
+        <p:spPr>
+          <a:xfrm>
+            <a:off x="181881" y="6272950"/>
+            <a:ext cx="11828238" cy="369332"/>
+          </a:xfrm>
+          <a:prstGeom prst="rect">
+            <a:avLst/>
+          </a:prstGeom>
+          <a:noFill/>
+        </p:spPr>
+        <p:txBody>
+          <a:bodyPr wrap="none" rtlCol="0">
+            <a:spAutoFit/>
+          </a:bodyPr>
+          <a:lstStyle/>
+          <a:p>
+            <a:r>
+              <a:rPr lang="en-US" dirty="0"/>
+              <a:t>Here’s a quick breakdown of the most represented companies from each sector and their relative weight within the S&amp;P 500</a:t>
+            </a:r>
+          </a:p>
+        </p:txBody>
+      </p:sp>
+      <p:sp>
+        <p:nvSpPr>
+          <p:cNvPr id="2" name="Rectangle 1">
+            <a:extLst>
+              <a:ext uri="{FF2B5EF4-FFF2-40B4-BE49-F238E27FC236}">
+                <a16:creationId xmlns:a16="http://schemas.microsoft.com/office/drawing/2014/main" id="{338CB80B-C3F3-8C5C-0148-C42B97A8E992}"/>
               </a:ext>
             </a:extLst>
           </p:cNvPr>
@@ -7067,7 +7244,7 @@
         </p:nvSpPr>
         <p:spPr bwMode="auto">
           <a:xfrm>
-            <a:off x="192024" y="1224678"/>
+            <a:off x="297290" y="1360144"/>
             <a:ext cx="12886481" cy="184666"/>
           </a:xfrm>
           <a:prstGeom prst="rect">
@@ -7142,30 +7319,39 @@
               <a:t>'</a:t>
             </a:r>
             <a:r>
-              <a:rPr kumimoji="0" lang="en-US" altLang="en-US" sz="1200" b="0" i="0" u="none" strike="noStrike" cap="none" normalizeH="0" baseline="0" dirty="0">
-                <a:ln>
-                  <a:noFill/>
-                </a:ln>
+              <a:rPr lang="en-US" sz="1200" b="0" i="0" dirty="0">
+                <a:solidFill>
+                  <a:srgbClr val="000000"/>
+                </a:solidFill>
+                <a:effectLst/>
+                <a:latin typeface="Helvetica Neue"/>
+              </a:rPr>
+              <a:t> </a:t>
+            </a:r>
+            <a:r>
+              <a:rPr lang="en-US" sz="1200" dirty="0">
                 <a:solidFill>
                   <a:srgbClr val="FF0000"/>
                 </a:solidFill>
-                <a:effectLst/>
                 <a:latin typeface="Arial Unicode MS"/>
-                <a:ea typeface="Courier New" panose="02070309020205020404" pitchFamily="49" charset="0"/>
-              </a:rPr>
-              <a:t>'Consumer Discretionary', </a:t>
-            </a:r>
-            <a:r>
-              <a:rPr kumimoji="0" lang="en-US" altLang="en-US" sz="1200" b="0" i="0" u="none" strike="noStrike" cap="none" normalizeH="0" baseline="0" dirty="0">
-                <a:ln>
-                  <a:noFill/>
-                </a:ln>
+              </a:rPr>
+              <a:t>Communication Services </a:t>
+            </a:r>
+            <a:r>
+              <a:rPr lang="en-US" altLang="en-US" sz="1200" dirty="0">
                 <a:solidFill>
                   <a:schemeClr val="accent6"/>
                 </a:solidFill>
-                <a:effectLst/>
                 <a:latin typeface="Arial Unicode MS"/>
-                <a:ea typeface="Courier New" panose="02070309020205020404" pitchFamily="49" charset="0"/>
+              </a:rPr>
+              <a:t>'Consumer Discretionary', </a:t>
+            </a:r>
+            <a:r>
+              <a:rPr lang="en-US" altLang="en-US" sz="1200" dirty="0">
+                <a:solidFill>
+                  <a:srgbClr val="3366FF"/>
+                </a:solidFill>
+                <a:latin typeface="Arial Unicode MS"/>
               </a:rPr>
               <a:t>'Consumer Staples</a:t>
             </a:r>
@@ -7182,20 +7368,6 @@
                 <a:ea typeface="Courier New" panose="02070309020205020404" pitchFamily="49" charset="0"/>
               </a:rPr>
               <a:t>', </a:t>
-            </a:r>
-            <a:r>
-              <a:rPr kumimoji="0" lang="en-US" altLang="en-US" sz="1200" b="0" i="0" u="none" strike="noStrike" cap="none" normalizeH="0" baseline="0" dirty="0">
-                <a:ln>
-                  <a:noFill/>
-                </a:ln>
-                <a:solidFill>
-                  <a:srgbClr val="3366FF"/>
-                </a:solidFill>
-                <a:effectLst/>
-                <a:latin typeface="Arial Unicode MS"/>
-                <a:ea typeface="Courier New" panose="02070309020205020404" pitchFamily="49" charset="0"/>
-              </a:rPr>
-              <a:t>'Consumer Staples', </a:t>
             </a:r>
             <a:r>
               <a:rPr kumimoji="0" lang="en-US" altLang="en-US" sz="1200" b="0" i="0" u="none" strike="noStrike" cap="none" normalizeH="0" baseline="0" dirty="0">
@@ -7446,76 +7618,6 @@
               <a:effectLst/>
               <a:latin typeface="Arial" panose="020B0604020202020204" pitchFamily="34" charset="0"/>
             </a:endParaRPr>
-          </a:p>
-        </p:txBody>
-      </p:sp>
-      <p:sp>
-        <p:nvSpPr>
-          <p:cNvPr id="9" name="TextBox 8">
-            <a:extLst>
-              <a:ext uri="{FF2B5EF4-FFF2-40B4-BE49-F238E27FC236}">
-                <a16:creationId xmlns:a16="http://schemas.microsoft.com/office/drawing/2014/main" id="{13FE1276-4158-5798-8465-C277BB5EF0B5}"/>
-              </a:ext>
-            </a:extLst>
-          </p:cNvPr>
-          <p:cNvSpPr txBox="1"/>
-          <p:nvPr/>
-        </p:nvSpPr>
-        <p:spPr>
-          <a:xfrm>
-            <a:off x="192024" y="274242"/>
-            <a:ext cx="7260336" cy="523220"/>
-          </a:xfrm>
-          <a:prstGeom prst="rect">
-            <a:avLst/>
-          </a:prstGeom>
-          <a:noFill/>
-        </p:spPr>
-        <p:txBody>
-          <a:bodyPr wrap="square" rtlCol="0">
-            <a:spAutoFit/>
-          </a:bodyPr>
-          <a:lstStyle/>
-          <a:p>
-            <a:r>
-              <a:rPr lang="en-US" sz="2800" dirty="0"/>
-              <a:t>Top Weighted Companies in each sectors (2023)</a:t>
-            </a:r>
-          </a:p>
-        </p:txBody>
-      </p:sp>
-      <p:sp>
-        <p:nvSpPr>
-          <p:cNvPr id="6" name="TextBox 5">
-            <a:extLst>
-              <a:ext uri="{FF2B5EF4-FFF2-40B4-BE49-F238E27FC236}">
-                <a16:creationId xmlns:a16="http://schemas.microsoft.com/office/drawing/2014/main" id="{FC6980E8-C671-C87C-3BC3-5B9AD42E6FB7}"/>
-              </a:ext>
-            </a:extLst>
-          </p:cNvPr>
-          <p:cNvSpPr txBox="1"/>
-          <p:nvPr/>
-        </p:nvSpPr>
-        <p:spPr>
-          <a:xfrm>
-            <a:off x="181881" y="6272950"/>
-            <a:ext cx="11828238" cy="369332"/>
-          </a:xfrm>
-          <a:prstGeom prst="rect">
-            <a:avLst/>
-          </a:prstGeom>
-          <a:noFill/>
-        </p:spPr>
-        <p:txBody>
-          <a:bodyPr wrap="none" rtlCol="0">
-            <a:spAutoFit/>
-          </a:bodyPr>
-          <a:lstStyle/>
-          <a:p>
-            <a:r>
-              <a:rPr lang="en-US" dirty="0"/>
-              <a:t>Here’s a quick breakdown of the most represented companies from each sector and their relative weight within the S&amp;P 500</a:t>
-            </a:r>
           </a:p>
         </p:txBody>
       </p:sp>

--- a/Presentation3.pptx
+++ b/Presentation3.pptx
@@ -3345,6 +3345,36 @@
           <a:chExt cx="0" cy="0"/>
         </a:xfrm>
       </p:grpSpPr>
+      <p:pic>
+        <p:nvPicPr>
+          <p:cNvPr id="5" name="Picture 4">
+            <a:extLst>
+              <a:ext uri="{FF2B5EF4-FFF2-40B4-BE49-F238E27FC236}">
+                <a16:creationId xmlns:a16="http://schemas.microsoft.com/office/drawing/2014/main" id="{477C9BB9-6D3A-412E-E9B6-9F197121C743}"/>
+              </a:ext>
+            </a:extLst>
+          </p:cNvPr>
+          <p:cNvPicPr>
+            <a:picLocks noChangeAspect="1"/>
+          </p:cNvPicPr>
+          <p:nvPr/>
+        </p:nvPicPr>
+        <p:blipFill>
+          <a:blip r:embed="rId2"/>
+          <a:stretch>
+            <a:fillRect/>
+          </a:stretch>
+        </p:blipFill>
+        <p:spPr>
+          <a:xfrm>
+            <a:off x="0" y="-456460"/>
+            <a:ext cx="12192000" cy="7314460"/>
+          </a:xfrm>
+          <a:prstGeom prst="rect">
+            <a:avLst/>
+          </a:prstGeom>
+        </p:spPr>
+      </p:pic>
       <p:sp>
         <p:nvSpPr>
           <p:cNvPr id="2" name="Title 1">
@@ -3363,7 +3393,7 @@
         </p:nvSpPr>
         <p:spPr>
           <a:xfrm>
-            <a:off x="1273215" y="914400"/>
+            <a:off x="1273215" y="221941"/>
             <a:ext cx="9394785" cy="2595563"/>
           </a:xfrm>
         </p:spPr>
@@ -3421,7 +3451,7 @@
         </p:nvSpPr>
         <p:spPr>
           <a:xfrm>
-            <a:off x="1524000" y="4452430"/>
+            <a:off x="1608338" y="3777727"/>
             <a:ext cx="9144000" cy="1655762"/>
           </a:xfrm>
         </p:spPr>
@@ -3430,7 +3460,7 @@
           <a:lstStyle/>
           <a:p>
             <a:r>
-              <a:rPr lang="en-US" sz="2800" kern="100" dirty="0">
+              <a:rPr lang="en-US" sz="2800" b="1" kern="100" dirty="0">
                 <a:effectLst/>
                 <a:latin typeface="Calibri" panose="020F0502020204030204" pitchFamily="34" charset="0"/>
                 <a:ea typeface="DengXian" panose="02010600030101010101" pitchFamily="2" charset="-122"/>
@@ -3439,7 +3469,7 @@
               <a:t>Team: Jenny </a:t>
             </a:r>
             <a:r>
-              <a:rPr lang="en-US" sz="2800" kern="100" dirty="0" err="1">
+              <a:rPr lang="en-US" sz="2800" b="1" kern="100" dirty="0" err="1">
                 <a:effectLst/>
                 <a:latin typeface="Calibri" panose="020F0502020204030204" pitchFamily="34" charset="0"/>
                 <a:ea typeface="DengXian" panose="02010600030101010101" pitchFamily="2" charset="-122"/>
@@ -3448,7 +3478,7 @@
               <a:t>Noga</a:t>
             </a:r>
             <a:r>
-              <a:rPr lang="en-US" sz="2800" kern="100" dirty="0">
+              <a:rPr lang="en-US" sz="2800" b="1" kern="100" dirty="0">
                 <a:effectLst/>
                 <a:latin typeface="Calibri" panose="020F0502020204030204" pitchFamily="34" charset="0"/>
                 <a:ea typeface="DengXian" panose="02010600030101010101" pitchFamily="2" charset="-122"/>
@@ -3458,7 +3488,7 @@
             </a:r>
           </a:p>
           <a:p>
-            <a:endParaRPr lang="en-US" dirty="0"/>
+            <a:endParaRPr lang="en-US" b="1" dirty="0"/>
           </a:p>
         </p:txBody>
       </p:sp>
@@ -3664,7 +3694,7 @@
         </p:nvSpPr>
         <p:spPr bwMode="auto">
           <a:xfrm>
-            <a:off x="181880" y="2928693"/>
+            <a:off x="48710" y="2928693"/>
             <a:ext cx="12886481" cy="184666"/>
           </a:xfrm>
           <a:prstGeom prst="rect">
@@ -5924,7 +5954,7 @@
         </p:nvSpPr>
         <p:spPr>
           <a:xfrm>
-            <a:off x="838200" y="1819921"/>
+            <a:off x="553744" y="639190"/>
             <a:ext cx="10515600" cy="4357041"/>
           </a:xfrm>
         </p:spPr>
@@ -5941,12 +5971,6 @@
               <a:rPr lang="en-US" sz="4800" dirty="0"/>
               <a:t>Thank You !</a:t>
             </a:r>
-          </a:p>
-          <a:p>
-            <a:pPr marL="0" indent="0" algn="ctr">
-              <a:buNone/>
-            </a:pPr>
-            <a:endParaRPr lang="en-US" sz="4800" dirty="0"/>
           </a:p>
           <a:p>
             <a:pPr marL="0" indent="0" algn="ctr">
@@ -5981,6 +6005,36 @@
           </a:p>
         </p:txBody>
       </p:sp>
+      <p:pic>
+        <p:nvPicPr>
+          <p:cNvPr id="4" name="Picture 3">
+            <a:extLst>
+              <a:ext uri="{FF2B5EF4-FFF2-40B4-BE49-F238E27FC236}">
+                <a16:creationId xmlns:a16="http://schemas.microsoft.com/office/drawing/2014/main" id="{C2CFB7C4-2756-22CA-6A35-12F99301D24D}"/>
+              </a:ext>
+            </a:extLst>
+          </p:cNvPr>
+          <p:cNvPicPr>
+            <a:picLocks noChangeAspect="1"/>
+          </p:cNvPicPr>
+          <p:nvPr/>
+        </p:nvPicPr>
+        <p:blipFill>
+          <a:blip r:embed="rId2"/>
+          <a:stretch>
+            <a:fillRect/>
+          </a:stretch>
+        </p:blipFill>
+        <p:spPr>
+          <a:xfrm>
+            <a:off x="926977" y="3252717"/>
+            <a:ext cx="10711279" cy="3508867"/>
+          </a:xfrm>
+          <a:prstGeom prst="rect">
+            <a:avLst/>
+          </a:prstGeom>
+        </p:spPr>
+      </p:pic>
     </p:spTree>
     <p:extLst>
       <p:ext uri="{BB962C8B-B14F-4D97-AF65-F5344CB8AC3E}">
@@ -7244,7 +7298,7 @@
         </p:nvSpPr>
         <p:spPr bwMode="auto">
           <a:xfrm>
-            <a:off x="297290" y="1360144"/>
+            <a:off x="66465" y="1360144"/>
             <a:ext cx="12886481" cy="184666"/>
           </a:xfrm>
           <a:prstGeom prst="rect">
